--- a/训练中心创客交叉融合空间建设/admin/创客交叉融合空间课程模块前期交流与研讨.pptx
+++ b/训练中心创客交叉融合空间建设/admin/创客交叉融合空间课程模块前期交流与研讨.pptx
@@ -5,14 +5,16 @@
     <p:sldMasterId id="2147483648" r:id="rId1"/>
   </p:sldMasterIdLst>
   <p:sldIdLst>
-    <p:sldId id="256" r:id="rId2"/>
-    <p:sldId id="261" r:id="rId3"/>
-    <p:sldId id="262" r:id="rId4"/>
-    <p:sldId id="263" r:id="rId5"/>
-    <p:sldId id="257" r:id="rId6"/>
-    <p:sldId id="258" r:id="rId7"/>
-    <p:sldId id="259" r:id="rId8"/>
-    <p:sldId id="260" r:id="rId9"/>
+    <p:sldId id="264" r:id="rId2"/>
+    <p:sldId id="266" r:id="rId3"/>
+    <p:sldId id="256" r:id="rId4"/>
+    <p:sldId id="261" r:id="rId5"/>
+    <p:sldId id="262" r:id="rId6"/>
+    <p:sldId id="263" r:id="rId7"/>
+    <p:sldId id="265" r:id="rId8"/>
+    <p:sldId id="257" r:id="rId9"/>
+    <p:sldId id="258" r:id="rId10"/>
+    <p:sldId id="259" r:id="rId11"/>
   </p:sldIdLst>
   <p:sldSz cx="12192000" cy="6858000"/>
   <p:notesSz cx="6858000" cy="9144000"/>
@@ -111,6 +113,11 @@
       </a:defRPr>
     </a:lvl9pPr>
   </p:defaultTextStyle>
+  <p:extLst>
+    <p:ext uri="{EFAFB233-063F-42B5-8137-9DF3F51BA10A}">
+      <p15:sldGuideLst xmlns:p15="http://schemas.microsoft.com/office/powerpoint/2012/main"/>
+    </p:ext>
+  </p:extLst>
 </p:presentation>
 </file>
 
@@ -245,7 +252,7 @@
           <a:p>
             <a:fld id="{710651D6-4F54-4461-8677-40DF18ED755D}" type="datetimeFigureOut">
               <a:rPr lang="zh-CN" altLang="en-US" smtClean="0"/>
-              <a:t>2014/5/26</a:t>
+              <a:t>2014/5/28</a:t>
             </a:fld>
             <a:endParaRPr lang="zh-CN" altLang="en-US"/>
           </a:p>
@@ -415,7 +422,7 @@
           <a:p>
             <a:fld id="{710651D6-4F54-4461-8677-40DF18ED755D}" type="datetimeFigureOut">
               <a:rPr lang="zh-CN" altLang="en-US" smtClean="0"/>
-              <a:t>2014/5/26</a:t>
+              <a:t>2014/5/28</a:t>
             </a:fld>
             <a:endParaRPr lang="zh-CN" altLang="en-US"/>
           </a:p>
@@ -595,7 +602,7 @@
           <a:p>
             <a:fld id="{710651D6-4F54-4461-8677-40DF18ED755D}" type="datetimeFigureOut">
               <a:rPr lang="zh-CN" altLang="en-US" smtClean="0"/>
-              <a:t>2014/5/26</a:t>
+              <a:t>2014/5/28</a:t>
             </a:fld>
             <a:endParaRPr lang="zh-CN" altLang="en-US"/>
           </a:p>
@@ -799,7 +806,7 @@
           <a:p>
             <a:fld id="{710651D6-4F54-4461-8677-40DF18ED755D}" type="datetimeFigureOut">
               <a:rPr lang="zh-CN" altLang="en-US" smtClean="0"/>
-              <a:t>2014/5/26</a:t>
+              <a:t>2014/5/28</a:t>
             </a:fld>
             <a:endParaRPr lang="zh-CN" altLang="en-US"/>
           </a:p>
@@ -1045,7 +1052,7 @@
           <a:p>
             <a:fld id="{710651D6-4F54-4461-8677-40DF18ED755D}" type="datetimeFigureOut">
               <a:rPr lang="zh-CN" altLang="en-US" smtClean="0"/>
-              <a:t>2014/5/26</a:t>
+              <a:t>2014/5/28</a:t>
             </a:fld>
             <a:endParaRPr lang="zh-CN" altLang="en-US"/>
           </a:p>
@@ -1277,7 +1284,7 @@
           <a:p>
             <a:fld id="{710651D6-4F54-4461-8677-40DF18ED755D}" type="datetimeFigureOut">
               <a:rPr lang="zh-CN" altLang="en-US" smtClean="0"/>
-              <a:t>2014/5/26</a:t>
+              <a:t>2014/5/28</a:t>
             </a:fld>
             <a:endParaRPr lang="zh-CN" altLang="en-US"/>
           </a:p>
@@ -1644,7 +1651,7 @@
           <a:p>
             <a:fld id="{710651D6-4F54-4461-8677-40DF18ED755D}" type="datetimeFigureOut">
               <a:rPr lang="zh-CN" altLang="en-US" smtClean="0"/>
-              <a:t>2014/5/26</a:t>
+              <a:t>2014/5/28</a:t>
             </a:fld>
             <a:endParaRPr lang="zh-CN" altLang="en-US"/>
           </a:p>
@@ -1762,7 +1769,7 @@
           <a:p>
             <a:fld id="{710651D6-4F54-4461-8677-40DF18ED755D}" type="datetimeFigureOut">
               <a:rPr lang="zh-CN" altLang="en-US" smtClean="0"/>
-              <a:t>2014/5/26</a:t>
+              <a:t>2014/5/28</a:t>
             </a:fld>
             <a:endParaRPr lang="zh-CN" altLang="en-US"/>
           </a:p>
@@ -1857,7 +1864,7 @@
           <a:p>
             <a:fld id="{710651D6-4F54-4461-8677-40DF18ED755D}" type="datetimeFigureOut">
               <a:rPr lang="zh-CN" altLang="en-US" smtClean="0"/>
-              <a:t>2014/5/26</a:t>
+              <a:t>2014/5/28</a:t>
             </a:fld>
             <a:endParaRPr lang="zh-CN" altLang="en-US"/>
           </a:p>
@@ -2134,7 +2141,7 @@
           <a:p>
             <a:fld id="{710651D6-4F54-4461-8677-40DF18ED755D}" type="datetimeFigureOut">
               <a:rPr lang="zh-CN" altLang="en-US" smtClean="0"/>
-              <a:t>2014/5/26</a:t>
+              <a:t>2014/5/28</a:t>
             </a:fld>
             <a:endParaRPr lang="zh-CN" altLang="en-US"/>
           </a:p>
@@ -2387,7 +2394,7 @@
           <a:p>
             <a:fld id="{710651D6-4F54-4461-8677-40DF18ED755D}" type="datetimeFigureOut">
               <a:rPr lang="zh-CN" altLang="en-US" smtClean="0"/>
-              <a:t>2014/5/26</a:t>
+              <a:t>2014/5/28</a:t>
             </a:fld>
             <a:endParaRPr lang="zh-CN" altLang="en-US"/>
           </a:p>
@@ -2600,7 +2607,7 @@
           <a:p>
             <a:fld id="{710651D6-4F54-4461-8677-40DF18ED755D}" type="datetimeFigureOut">
               <a:rPr lang="zh-CN" altLang="en-US" smtClean="0"/>
-              <a:t>2014/5/26</a:t>
+              <a:t>2014/5/28</a:t>
             </a:fld>
             <a:endParaRPr lang="zh-CN" altLang="en-US"/>
           </a:p>
@@ -3022,6 +3029,361 @@
           <a:p>
             <a:r>
               <a:rPr lang="zh-CN" altLang="en-US" dirty="0"/>
+              <a:t>全球优秀内容资源</a:t>
+            </a:r>
+            <a:r>
+              <a:rPr lang="zh-CN" altLang="en-US" dirty="0" smtClean="0"/>
+              <a:t>筛选</a:t>
+            </a:r>
+            <a:endParaRPr lang="zh-CN" altLang="en-US" dirty="0"/>
+          </a:p>
+        </p:txBody>
+      </p:sp>
+      <p:sp>
+        <p:nvSpPr>
+          <p:cNvPr id="5" name="Content Placeholder 4"/>
+          <p:cNvSpPr>
+            <a:spLocks noGrp="1"/>
+          </p:cNvSpPr>
+          <p:nvPr>
+            <p:ph idx="1"/>
+          </p:nvPr>
+        </p:nvSpPr>
+        <p:spPr/>
+        <p:txBody>
+          <a:bodyPr/>
+          <a:lstStyle/>
+          <a:p>
+            <a:r>
+              <a:rPr lang="en-US" altLang="zh-CN" dirty="0" smtClean="0">
+                <a:hlinkClick r:id="rId2"/>
+              </a:rPr>
+              <a:t>http://www.instructables.com/zh/</a:t>
+            </a:r>
+            <a:endParaRPr lang="en-US" altLang="zh-CN" dirty="0" smtClean="0"/>
+          </a:p>
+          <a:p>
+            <a:endParaRPr lang="en-US" altLang="zh-CN" dirty="0"/>
+          </a:p>
+          <a:p>
+            <a:r>
+              <a:rPr lang="en-US" altLang="zh-CN" dirty="0" smtClean="0"/>
+              <a:t>Wall E</a:t>
+            </a:r>
+            <a:r>
+              <a:rPr lang="zh-CN" altLang="en-US" dirty="0" smtClean="0"/>
+              <a:t>：</a:t>
+            </a:r>
+            <a:r>
+              <a:rPr lang="en-US" altLang="zh-CN" dirty="0" smtClean="0"/>
+              <a:t>26:50</a:t>
+            </a:r>
+            <a:r>
+              <a:rPr lang="zh-CN" altLang="en-US" dirty="0"/>
+              <a:t>，新型智能储物柜</a:t>
+            </a:r>
+          </a:p>
+        </p:txBody>
+      </p:sp>
+      <p:pic>
+        <p:nvPicPr>
+          <p:cNvPr id="2" name="Picture 1" descr="新型智能储物柜 - 枫树极速浏览器"/>
+          <p:cNvPicPr>
+            <a:picLocks noChangeAspect="1"/>
+          </p:cNvPicPr>
+          <p:nvPr/>
+        </p:nvPicPr>
+        <p:blipFill rotWithShape="1">
+          <a:blip r:embed="rId3">
+            <a:extLst>
+              <a:ext uri="{28A0092B-C50C-407E-A947-70E740481C1C}">
+                <a14:useLocalDpi xmlns:a14="http://schemas.microsoft.com/office/drawing/2010/main" val="0"/>
+              </a:ext>
+            </a:extLst>
+          </a:blip>
+          <a:srcRect l="31481" t="22400" r="32990" b="16089"/>
+          <a:stretch/>
+        </p:blipFill>
+        <p:spPr>
+          <a:xfrm>
+            <a:off x="8461248" y="1958531"/>
+            <a:ext cx="3157728" cy="4218432"/>
+          </a:xfrm>
+          <a:prstGeom prst="rect">
+            <a:avLst/>
+          </a:prstGeom>
+        </p:spPr>
+      </p:pic>
+      <p:pic>
+        <p:nvPicPr>
+          <p:cNvPr id="3" name="Picture 2" descr="[EVR] WALL-E.2008.720p.BrRip.x264.AAC.5.1.{MrMoviesFX}.【ThumperDC】.mkv - 射手影音播放器"/>
+          <p:cNvPicPr>
+            <a:picLocks noChangeAspect="1"/>
+          </p:cNvPicPr>
+          <p:nvPr/>
+        </p:nvPicPr>
+        <p:blipFill rotWithShape="1">
+          <a:blip r:embed="rId4">
+            <a:extLst>
+              <a:ext uri="{BEBA8EAE-BF5A-486C-A8C5-ECC9F3942E4B}">
+                <a14:imgProps xmlns:a14="http://schemas.microsoft.com/office/drawing/2010/main">
+                  <a14:imgLayer r:embed="rId5">
+                    <a14:imgEffect>
+                      <a14:brightnessContrast bright="20000" contrast="-20000"/>
+                    </a14:imgEffect>
+                  </a14:imgLayer>
+                </a14:imgProps>
+              </a:ext>
+              <a:ext uri="{28A0092B-C50C-407E-A947-70E740481C1C}">
+                <a14:useLocalDpi xmlns:a14="http://schemas.microsoft.com/office/drawing/2010/main" val="0"/>
+              </a:ext>
+            </a:extLst>
+          </a:blip>
+          <a:srcRect l="29552" t="16356" r="24939" b="13423"/>
+          <a:stretch/>
+        </p:blipFill>
+        <p:spPr>
+          <a:xfrm>
+            <a:off x="3706368" y="3003391"/>
+            <a:ext cx="3486912" cy="3173572"/>
+          </a:xfrm>
+          <a:prstGeom prst="rect">
+            <a:avLst/>
+          </a:prstGeom>
+        </p:spPr>
+      </p:pic>
+    </p:spTree>
+    <p:extLst>
+      <p:ext uri="{BB962C8B-B14F-4D97-AF65-F5344CB8AC3E}">
+        <p14:creationId xmlns:p14="http://schemas.microsoft.com/office/powerpoint/2010/main" val="3531716642"/>
+      </p:ext>
+    </p:extLst>
+  </p:cSld>
+  <p:clrMapOvr>
+    <a:masterClrMapping/>
+  </p:clrMapOvr>
+</p:sld>
+</file>
+
+<file path=ppt/slides/slide10.xml><?xml version="1.0" encoding="utf-8"?>
+<p:sld xmlns:a="http://schemas.openxmlformats.org/drawingml/2006/main" xmlns:r="http://schemas.openxmlformats.org/officeDocument/2006/relationships" xmlns:p="http://schemas.openxmlformats.org/presentationml/2006/main">
+  <p:cSld>
+    <p:spTree>
+      <p:nvGrpSpPr>
+        <p:cNvPr id="1" name=""/>
+        <p:cNvGrpSpPr/>
+        <p:nvPr/>
+      </p:nvGrpSpPr>
+      <p:grpSpPr>
+        <a:xfrm>
+          <a:off x="0" y="0"/>
+          <a:ext cx="0" cy="0"/>
+          <a:chOff x="0" y="0"/>
+          <a:chExt cx="0" cy="0"/>
+        </a:xfrm>
+      </p:grpSpPr>
+      <p:sp>
+        <p:nvSpPr>
+          <p:cNvPr id="4" name="Title 3"/>
+          <p:cNvSpPr>
+            <a:spLocks noGrp="1"/>
+          </p:cNvSpPr>
+          <p:nvPr>
+            <p:ph type="title"/>
+          </p:nvPr>
+        </p:nvSpPr>
+        <p:spPr/>
+        <p:txBody>
+          <a:bodyPr/>
+          <a:lstStyle/>
+          <a:p>
+            <a:r>
+              <a:rPr lang="zh-CN" altLang="en-US" dirty="0"/>
+              <a:t>产品图文展示</a:t>
+            </a:r>
+            <a:r>
+              <a:rPr lang="zh-CN" altLang="en-US" dirty="0" smtClean="0"/>
+              <a:t>模块</a:t>
+            </a:r>
+            <a:endParaRPr lang="zh-CN" altLang="en-US" dirty="0"/>
+          </a:p>
+        </p:txBody>
+      </p:sp>
+      <p:sp>
+        <p:nvSpPr>
+          <p:cNvPr id="5" name="Content Placeholder 4"/>
+          <p:cNvSpPr>
+            <a:spLocks noGrp="1"/>
+          </p:cNvSpPr>
+          <p:nvPr>
+            <p:ph idx="1"/>
+          </p:nvPr>
+        </p:nvSpPr>
+        <p:spPr/>
+        <p:txBody>
+          <a:bodyPr/>
+          <a:lstStyle/>
+          <a:p>
+            <a:endParaRPr lang="zh-CN" altLang="en-US"/>
+          </a:p>
+        </p:txBody>
+      </p:sp>
+    </p:spTree>
+    <p:extLst>
+      <p:ext uri="{BB962C8B-B14F-4D97-AF65-F5344CB8AC3E}">
+        <p14:creationId xmlns:p14="http://schemas.microsoft.com/office/powerpoint/2010/main" val="49048517"/>
+      </p:ext>
+    </p:extLst>
+  </p:cSld>
+  <p:clrMapOvr>
+    <a:masterClrMapping/>
+  </p:clrMapOvr>
+</p:sld>
+</file>
+
+<file path=ppt/slides/slide2.xml><?xml version="1.0" encoding="utf-8"?>
+<p:sld xmlns:a="http://schemas.openxmlformats.org/drawingml/2006/main" xmlns:r="http://schemas.openxmlformats.org/officeDocument/2006/relationships" xmlns:p="http://schemas.openxmlformats.org/presentationml/2006/main">
+  <p:cSld>
+    <p:spTree>
+      <p:nvGrpSpPr>
+        <p:cNvPr id="1" name=""/>
+        <p:cNvGrpSpPr/>
+        <p:nvPr/>
+      </p:nvGrpSpPr>
+      <p:grpSpPr>
+        <a:xfrm>
+          <a:off x="0" y="0"/>
+          <a:ext cx="0" cy="0"/>
+          <a:chOff x="0" y="0"/>
+          <a:chExt cx="0" cy="0"/>
+        </a:xfrm>
+      </p:grpSpPr>
+      <p:sp>
+        <p:nvSpPr>
+          <p:cNvPr id="3" name="Content Placeholder 2"/>
+          <p:cNvSpPr>
+            <a:spLocks noGrp="1"/>
+          </p:cNvSpPr>
+          <p:nvPr>
+            <p:ph idx="1"/>
+          </p:nvPr>
+        </p:nvSpPr>
+        <p:spPr>
+          <a:xfrm>
+            <a:off x="838200" y="5132832"/>
+            <a:ext cx="10515600" cy="1044131"/>
+          </a:xfrm>
+        </p:spPr>
+        <p:txBody>
+          <a:bodyPr/>
+          <a:lstStyle/>
+          <a:p>
+            <a:r>
+              <a:rPr lang="en-US" altLang="zh-CN" dirty="0">
+                <a:hlinkClick r:id="rId2"/>
+              </a:rPr>
+              <a:t>http://www.instructables.com/id/%E7%8C%AB%E7%8C%AB%E5%86%B0%E5%B1%8B-Cat-iglooa-small-Air-condition-room/?lang=zh</a:t>
+            </a:r>
+            <a:endParaRPr lang="zh-CN" altLang="en-US" dirty="0"/>
+          </a:p>
+        </p:txBody>
+      </p:sp>
+      <p:pic>
+        <p:nvPicPr>
+          <p:cNvPr id="5" name="Picture 4"/>
+          <p:cNvPicPr>
+            <a:picLocks noChangeAspect="1"/>
+          </p:cNvPicPr>
+          <p:nvPr/>
+        </p:nvPicPr>
+        <p:blipFill>
+          <a:blip r:embed="rId3">
+            <a:extLst>
+              <a:ext uri="{28A0092B-C50C-407E-A947-70E740481C1C}">
+                <a14:useLocalDpi xmlns:a14="http://schemas.microsoft.com/office/drawing/2010/main" val="0"/>
+              </a:ext>
+            </a:extLst>
+          </a:blip>
+          <a:stretch>
+            <a:fillRect/>
+          </a:stretch>
+        </p:blipFill>
+        <p:spPr>
+          <a:xfrm>
+            <a:off x="4391111" y="1461558"/>
+            <a:ext cx="3409777" cy="3221651"/>
+          </a:xfrm>
+          <a:prstGeom prst="rect">
+            <a:avLst/>
+          </a:prstGeom>
+        </p:spPr>
+      </p:pic>
+      <p:sp>
+        <p:nvSpPr>
+          <p:cNvPr id="6" name="Title 5"/>
+          <p:cNvSpPr>
+            <a:spLocks noGrp="1"/>
+          </p:cNvSpPr>
+          <p:nvPr>
+            <p:ph type="title"/>
+          </p:nvPr>
+        </p:nvSpPr>
+        <p:spPr/>
+        <p:txBody>
+          <a:bodyPr/>
+          <a:lstStyle/>
+          <a:p>
+            <a:endParaRPr lang="zh-CN" altLang="en-US"/>
+          </a:p>
+        </p:txBody>
+      </p:sp>
+    </p:spTree>
+    <p:extLst>
+      <p:ext uri="{BB962C8B-B14F-4D97-AF65-F5344CB8AC3E}">
+        <p14:creationId xmlns:p14="http://schemas.microsoft.com/office/powerpoint/2010/main" val="292178854"/>
+      </p:ext>
+    </p:extLst>
+  </p:cSld>
+  <p:clrMapOvr>
+    <a:masterClrMapping/>
+  </p:clrMapOvr>
+</p:sld>
+</file>
+
+<file path=ppt/slides/slide3.xml><?xml version="1.0" encoding="utf-8"?>
+<p:sld xmlns:a="http://schemas.openxmlformats.org/drawingml/2006/main" xmlns:r="http://schemas.openxmlformats.org/officeDocument/2006/relationships" xmlns:p="http://schemas.openxmlformats.org/presentationml/2006/main">
+  <p:cSld>
+    <p:spTree>
+      <p:nvGrpSpPr>
+        <p:cNvPr id="1" name=""/>
+        <p:cNvGrpSpPr/>
+        <p:nvPr/>
+      </p:nvGrpSpPr>
+      <p:grpSpPr>
+        <a:xfrm>
+          <a:off x="0" y="0"/>
+          <a:ext cx="0" cy="0"/>
+          <a:chOff x="0" y="0"/>
+          <a:chExt cx="0" cy="0"/>
+        </a:xfrm>
+      </p:grpSpPr>
+      <p:sp>
+        <p:nvSpPr>
+          <p:cNvPr id="4" name="Title 3"/>
+          <p:cNvSpPr>
+            <a:spLocks noGrp="1"/>
+          </p:cNvSpPr>
+          <p:nvPr>
+            <p:ph type="title"/>
+          </p:nvPr>
+        </p:nvSpPr>
+        <p:spPr/>
+        <p:txBody>
+          <a:bodyPr/>
+          <a:lstStyle/>
+          <a:p>
+            <a:r>
+              <a:rPr lang="zh-CN" altLang="en-US" dirty="0"/>
               <a:t>知识共享</a:t>
             </a:r>
             <a:r>
@@ -3713,7 +4075,7 @@
 </p:sld>
 </file>
 
-<file path=ppt/slides/slide2.xml><?xml version="1.0" encoding="utf-8"?>
+<file path=ppt/slides/slide4.xml><?xml version="1.0" encoding="utf-8"?>
 <p:sld xmlns:a="http://schemas.openxmlformats.org/drawingml/2006/main" xmlns:r="http://schemas.openxmlformats.org/officeDocument/2006/relationships" xmlns:p="http://schemas.openxmlformats.org/presentationml/2006/main">
   <p:cSld>
     <p:spTree>
@@ -3847,7 +4209,7 @@
 </p:sld>
 </file>
 
-<file path=ppt/slides/slide3.xml><?xml version="1.0" encoding="utf-8"?>
+<file path=ppt/slides/slide5.xml><?xml version="1.0" encoding="utf-8"?>
 <p:sld xmlns:a="http://schemas.openxmlformats.org/drawingml/2006/main" xmlns:r="http://schemas.openxmlformats.org/officeDocument/2006/relationships" xmlns:p="http://schemas.openxmlformats.org/presentationml/2006/main">
   <p:cSld>
     <p:spTree>
@@ -4252,7 +4614,7 @@
 </p:sld>
 </file>
 
-<file path=ppt/slides/slide4.xml><?xml version="1.0" encoding="utf-8"?>
+<file path=ppt/slides/slide6.xml><?xml version="1.0" encoding="utf-8"?>
 <p:sld xmlns:a="http://schemas.openxmlformats.org/drawingml/2006/main" xmlns:r="http://schemas.openxmlformats.org/officeDocument/2006/relationships" xmlns:p="http://schemas.openxmlformats.org/presentationml/2006/main">
   <p:cSld>
     <p:spTree>
@@ -4369,162 +4731,6 @@
 </p:sld>
 </file>
 
-<file path=ppt/slides/slide5.xml><?xml version="1.0" encoding="utf-8"?>
-<p:sld xmlns:a="http://schemas.openxmlformats.org/drawingml/2006/main" xmlns:r="http://schemas.openxmlformats.org/officeDocument/2006/relationships" xmlns:p="http://schemas.openxmlformats.org/presentationml/2006/main">
-  <p:cSld>
-    <p:spTree>
-      <p:nvGrpSpPr>
-        <p:cNvPr id="1" name=""/>
-        <p:cNvGrpSpPr/>
-        <p:nvPr/>
-      </p:nvGrpSpPr>
-      <p:grpSpPr>
-        <a:xfrm>
-          <a:off x="0" y="0"/>
-          <a:ext cx="0" cy="0"/>
-          <a:chOff x="0" y="0"/>
-          <a:chExt cx="0" cy="0"/>
-        </a:xfrm>
-      </p:grpSpPr>
-      <p:sp>
-        <p:nvSpPr>
-          <p:cNvPr id="4" name="Title 3"/>
-          <p:cNvSpPr>
-            <a:spLocks noGrp="1"/>
-          </p:cNvSpPr>
-          <p:nvPr>
-            <p:ph type="title"/>
-          </p:nvPr>
-        </p:nvSpPr>
-        <p:spPr/>
-        <p:txBody>
-          <a:bodyPr/>
-          <a:lstStyle/>
-          <a:p>
-            <a:r>
-              <a:rPr lang="en-US" altLang="zh-CN" dirty="0"/>
-              <a:t>635</a:t>
-            </a:r>
-            <a:r>
-              <a:rPr lang="zh-CN" altLang="en-US" dirty="0"/>
-              <a:t>设计</a:t>
-            </a:r>
-            <a:r>
-              <a:rPr lang="zh-CN" altLang="en-US" dirty="0" smtClean="0"/>
-              <a:t>模块</a:t>
-            </a:r>
-            <a:endParaRPr lang="zh-CN" altLang="en-US" dirty="0"/>
-          </a:p>
-        </p:txBody>
-      </p:sp>
-      <p:sp>
-        <p:nvSpPr>
-          <p:cNvPr id="5" name="Content Placeholder 4"/>
-          <p:cNvSpPr>
-            <a:spLocks noGrp="1"/>
-          </p:cNvSpPr>
-          <p:nvPr>
-            <p:ph idx="1"/>
-          </p:nvPr>
-        </p:nvSpPr>
-        <p:spPr/>
-        <p:txBody>
-          <a:bodyPr/>
-          <a:lstStyle/>
-          <a:p>
-            <a:endParaRPr lang="zh-CN" altLang="en-US"/>
-          </a:p>
-        </p:txBody>
-      </p:sp>
-    </p:spTree>
-    <p:extLst>
-      <p:ext uri="{BB962C8B-B14F-4D97-AF65-F5344CB8AC3E}">
-        <p14:creationId xmlns:p14="http://schemas.microsoft.com/office/powerpoint/2010/main" val="971363305"/>
-      </p:ext>
-    </p:extLst>
-  </p:cSld>
-  <p:clrMapOvr>
-    <a:masterClrMapping/>
-  </p:clrMapOvr>
-</p:sld>
-</file>
-
-<file path=ppt/slides/slide6.xml><?xml version="1.0" encoding="utf-8"?>
-<p:sld xmlns:a="http://schemas.openxmlformats.org/drawingml/2006/main" xmlns:r="http://schemas.openxmlformats.org/officeDocument/2006/relationships" xmlns:p="http://schemas.openxmlformats.org/presentationml/2006/main">
-  <p:cSld>
-    <p:spTree>
-      <p:nvGrpSpPr>
-        <p:cNvPr id="1" name=""/>
-        <p:cNvGrpSpPr/>
-        <p:nvPr/>
-      </p:nvGrpSpPr>
-      <p:grpSpPr>
-        <a:xfrm>
-          <a:off x="0" y="0"/>
-          <a:ext cx="0" cy="0"/>
-          <a:chOff x="0" y="0"/>
-          <a:chExt cx="0" cy="0"/>
-        </a:xfrm>
-      </p:grpSpPr>
-      <p:sp>
-        <p:nvSpPr>
-          <p:cNvPr id="4" name="Title 3"/>
-          <p:cNvSpPr>
-            <a:spLocks noGrp="1"/>
-          </p:cNvSpPr>
-          <p:nvPr>
-            <p:ph type="title"/>
-          </p:nvPr>
-        </p:nvSpPr>
-        <p:spPr/>
-        <p:txBody>
-          <a:bodyPr/>
-          <a:lstStyle/>
-          <a:p>
-            <a:r>
-              <a:rPr lang="zh-CN" altLang="en-US" dirty="0"/>
-              <a:t>议事流程</a:t>
-            </a:r>
-            <a:r>
-              <a:rPr lang="zh-CN" altLang="en-US" dirty="0" smtClean="0"/>
-              <a:t>模块</a:t>
-            </a:r>
-            <a:endParaRPr lang="zh-CN" altLang="en-US" dirty="0"/>
-          </a:p>
-        </p:txBody>
-      </p:sp>
-      <p:sp>
-        <p:nvSpPr>
-          <p:cNvPr id="5" name="Content Placeholder 4"/>
-          <p:cNvSpPr>
-            <a:spLocks noGrp="1"/>
-          </p:cNvSpPr>
-          <p:nvPr>
-            <p:ph idx="1"/>
-          </p:nvPr>
-        </p:nvSpPr>
-        <p:spPr/>
-        <p:txBody>
-          <a:bodyPr/>
-          <a:lstStyle/>
-          <a:p>
-            <a:endParaRPr lang="zh-CN" altLang="en-US"/>
-          </a:p>
-        </p:txBody>
-      </p:sp>
-    </p:spTree>
-    <p:extLst>
-      <p:ext uri="{BB962C8B-B14F-4D97-AF65-F5344CB8AC3E}">
-        <p14:creationId xmlns:p14="http://schemas.microsoft.com/office/powerpoint/2010/main" val="3000306961"/>
-      </p:ext>
-    </p:extLst>
-  </p:cSld>
-  <p:clrMapOvr>
-    <a:masterClrMapping/>
-  </p:clrMapOvr>
-</p:sld>
-</file>
-
 <file path=ppt/slides/slide7.xml><?xml version="1.0" encoding="utf-8"?>
 <p:sld xmlns:a="http://schemas.openxmlformats.org/drawingml/2006/main" xmlns:r="http://schemas.openxmlformats.org/officeDocument/2006/relationships" xmlns:p="http://schemas.openxmlformats.org/presentationml/2006/main">
   <p:cSld>
@@ -4559,39 +4765,92 @@
           <a:p>
             <a:r>
               <a:rPr lang="zh-CN" altLang="en-US" dirty="0"/>
-              <a:t>产品图文展示</a:t>
-            </a:r>
-            <a:r>
-              <a:rPr lang="zh-CN" altLang="en-US" dirty="0" smtClean="0"/>
-              <a:t>模块</a:t>
-            </a:r>
-            <a:endParaRPr lang="zh-CN" altLang="en-US" dirty="0"/>
-          </a:p>
-        </p:txBody>
-      </p:sp>
-      <p:sp>
-        <p:nvSpPr>
-          <p:cNvPr id="5" name="Content Placeholder 4"/>
-          <p:cNvSpPr>
-            <a:spLocks noGrp="1"/>
-          </p:cNvSpPr>
-          <p:nvPr>
-            <p:ph idx="1"/>
-          </p:nvPr>
-        </p:nvSpPr>
-        <p:spPr/>
-        <p:txBody>
-          <a:bodyPr/>
-          <a:lstStyle/>
-          <a:p>
-            <a:endParaRPr lang="zh-CN" altLang="en-US"/>
-          </a:p>
-        </p:txBody>
-      </p:sp>
+              <a:t>下周预告</a:t>
+            </a:r>
+          </a:p>
+        </p:txBody>
+      </p:sp>
+      <p:sp>
+        <p:nvSpPr>
+          <p:cNvPr id="5" name="Text Placeholder 4"/>
+          <p:cNvSpPr>
+            <a:spLocks noGrp="1"/>
+          </p:cNvSpPr>
+          <p:nvPr>
+            <p:ph type="body" idx="1"/>
+          </p:nvPr>
+        </p:nvSpPr>
+        <p:spPr/>
+        <p:txBody>
+          <a:bodyPr/>
+          <a:lstStyle/>
+          <a:p>
+            <a:r>
+              <a:rPr lang="zh-CN" altLang="en-US" dirty="0" smtClean="0">
+                <a:solidFill>
+                  <a:schemeClr val="tx1"/>
+                </a:solidFill>
+              </a:rPr>
+              <a:t>源自德国的头脑风暴方法</a:t>
+            </a:r>
+            <a:r>
+              <a:rPr lang="en-US" altLang="zh-CN" dirty="0" smtClean="0">
+                <a:solidFill>
+                  <a:schemeClr val="tx1"/>
+                </a:solidFill>
+              </a:rPr>
+              <a:t>——635</a:t>
+            </a:r>
+            <a:r>
+              <a:rPr lang="zh-CN" altLang="en-US" dirty="0" smtClean="0">
+                <a:solidFill>
+                  <a:schemeClr val="tx1"/>
+                </a:solidFill>
+              </a:rPr>
+              <a:t>方法</a:t>
+            </a:r>
+            <a:endParaRPr lang="zh-CN" altLang="en-US" dirty="0">
+              <a:solidFill>
+                <a:schemeClr val="tx1"/>
+              </a:solidFill>
+            </a:endParaRPr>
+          </a:p>
+        </p:txBody>
+      </p:sp>
+      <p:pic>
+        <p:nvPicPr>
+          <p:cNvPr id="6" name="Picture 5"/>
+          <p:cNvPicPr>
+            <a:picLocks noChangeAspect="1"/>
+          </p:cNvPicPr>
+          <p:nvPr/>
+        </p:nvPicPr>
+        <p:blipFill>
+          <a:blip r:embed="rId2">
+            <a:extLst>
+              <a:ext uri="{28A0092B-C50C-407E-A947-70E740481C1C}">
+                <a14:useLocalDpi xmlns:a14="http://schemas.microsoft.com/office/drawing/2010/main" val="0"/>
+              </a:ext>
+            </a:extLst>
+          </a:blip>
+          <a:stretch>
+            <a:fillRect/>
+          </a:stretch>
+        </p:blipFill>
+        <p:spPr>
+          <a:xfrm>
+            <a:off x="6906926" y="1539386"/>
+            <a:ext cx="3815780" cy="3535388"/>
+          </a:xfrm>
+          <a:prstGeom prst="rect">
+            <a:avLst/>
+          </a:prstGeom>
+        </p:spPr>
+      </p:pic>
     </p:spTree>
     <p:extLst>
       <p:ext uri="{BB962C8B-B14F-4D97-AF65-F5344CB8AC3E}">
-        <p14:creationId xmlns:p14="http://schemas.microsoft.com/office/powerpoint/2010/main" val="49048517"/>
+        <p14:creationId xmlns:p14="http://schemas.microsoft.com/office/powerpoint/2010/main" val="1429241593"/>
       </p:ext>
     </p:extLst>
   </p:cSld>
@@ -4634,12 +4893,16 @@
           <a:lstStyle/>
           <a:p>
             <a:r>
+              <a:rPr lang="en-US" altLang="zh-CN" dirty="0"/>
+              <a:t>635</a:t>
+            </a:r>
+            <a:r>
               <a:rPr lang="zh-CN" altLang="en-US" dirty="0"/>
-              <a:t>全球优秀内容资源</a:t>
+              <a:t>设计</a:t>
             </a:r>
             <a:r>
               <a:rPr lang="zh-CN" altLang="en-US" dirty="0" smtClean="0"/>
-              <a:t>筛选</a:t>
+              <a:t>模块</a:t>
             </a:r>
             <a:endParaRPr lang="zh-CN" altLang="en-US" dirty="0"/>
           </a:p>
@@ -4660,20 +4923,90 @@
           <a:bodyPr/>
           <a:lstStyle/>
           <a:p>
-            <a:r>
-              <a:rPr lang="en-US" altLang="zh-CN" dirty="0" smtClean="0">
-                <a:hlinkClick r:id="rId2"/>
-              </a:rPr>
-              <a:t>http://www.instructables.com/zh/</a:t>
-            </a:r>
-            <a:endParaRPr lang="zh-CN" altLang="en-US" dirty="0"/>
+            <a:endParaRPr lang="zh-CN" altLang="en-US"/>
           </a:p>
         </p:txBody>
       </p:sp>
     </p:spTree>
     <p:extLst>
       <p:ext uri="{BB962C8B-B14F-4D97-AF65-F5344CB8AC3E}">
-        <p14:creationId xmlns:p14="http://schemas.microsoft.com/office/powerpoint/2010/main" val="2720655067"/>
+        <p14:creationId xmlns:p14="http://schemas.microsoft.com/office/powerpoint/2010/main" val="971363305"/>
+      </p:ext>
+    </p:extLst>
+  </p:cSld>
+  <p:clrMapOvr>
+    <a:masterClrMapping/>
+  </p:clrMapOvr>
+</p:sld>
+</file>
+
+<file path=ppt/slides/slide9.xml><?xml version="1.0" encoding="utf-8"?>
+<p:sld xmlns:a="http://schemas.openxmlformats.org/drawingml/2006/main" xmlns:r="http://schemas.openxmlformats.org/officeDocument/2006/relationships" xmlns:p="http://schemas.openxmlformats.org/presentationml/2006/main">
+  <p:cSld>
+    <p:spTree>
+      <p:nvGrpSpPr>
+        <p:cNvPr id="1" name=""/>
+        <p:cNvGrpSpPr/>
+        <p:nvPr/>
+      </p:nvGrpSpPr>
+      <p:grpSpPr>
+        <a:xfrm>
+          <a:off x="0" y="0"/>
+          <a:ext cx="0" cy="0"/>
+          <a:chOff x="0" y="0"/>
+          <a:chExt cx="0" cy="0"/>
+        </a:xfrm>
+      </p:grpSpPr>
+      <p:sp>
+        <p:nvSpPr>
+          <p:cNvPr id="4" name="Title 3"/>
+          <p:cNvSpPr>
+            <a:spLocks noGrp="1"/>
+          </p:cNvSpPr>
+          <p:nvPr>
+            <p:ph type="title"/>
+          </p:nvPr>
+        </p:nvSpPr>
+        <p:spPr/>
+        <p:txBody>
+          <a:bodyPr/>
+          <a:lstStyle/>
+          <a:p>
+            <a:r>
+              <a:rPr lang="zh-CN" altLang="en-US" dirty="0"/>
+              <a:t>议事流程</a:t>
+            </a:r>
+            <a:r>
+              <a:rPr lang="zh-CN" altLang="en-US" dirty="0" smtClean="0"/>
+              <a:t>模块</a:t>
+            </a:r>
+            <a:endParaRPr lang="zh-CN" altLang="en-US" dirty="0"/>
+          </a:p>
+        </p:txBody>
+      </p:sp>
+      <p:sp>
+        <p:nvSpPr>
+          <p:cNvPr id="5" name="Content Placeholder 4"/>
+          <p:cNvSpPr>
+            <a:spLocks noGrp="1"/>
+          </p:cNvSpPr>
+          <p:nvPr>
+            <p:ph idx="1"/>
+          </p:nvPr>
+        </p:nvSpPr>
+        <p:spPr/>
+        <p:txBody>
+          <a:bodyPr/>
+          <a:lstStyle/>
+          <a:p>
+            <a:endParaRPr lang="zh-CN" altLang="en-US"/>
+          </a:p>
+        </p:txBody>
+      </p:sp>
+    </p:spTree>
+    <p:extLst>
+      <p:ext uri="{BB962C8B-B14F-4D97-AF65-F5344CB8AC3E}">
+        <p14:creationId xmlns:p14="http://schemas.microsoft.com/office/powerpoint/2010/main" val="3000306961"/>
       </p:ext>
     </p:extLst>
   </p:cSld>
